--- a/help.pptx
+++ b/help.pptx
@@ -5,7 +5,11 @@
     <p:sldMasterId id="2147483648" r:id="rId1"/>
   </p:sldMasterIdLst>
   <p:sldIdLst>
-    <p:sldId id="256" r:id="rId2"/>
+    <p:sldId id="257" r:id="rId2"/>
+    <p:sldId id="256" r:id="rId3"/>
+    <p:sldId id="259" r:id="rId4"/>
+    <p:sldId id="260" r:id="rId5"/>
+    <p:sldId id="261" r:id="rId6"/>
   </p:sldIdLst>
   <p:sldSz cx="9144000" cy="6858000" type="screen4x3"/>
   <p:notesSz cx="6858000" cy="9144000"/>
@@ -289,7 +293,7 @@
             <a:fld id="{530820CF-B880-4189-942D-D702A7CBA730}" type="datetimeFigureOut">
               <a:rPr lang="zh-CN" altLang="en-US" smtClean="0"/>
               <a:pPr/>
-              <a:t>2012-4-18</a:t>
+              <a:t>2012-4-20</a:t>
             </a:fld>
             <a:endParaRPr lang="zh-CN" altLang="en-US"/>
           </a:p>
@@ -456,7 +460,7 @@
             <a:fld id="{530820CF-B880-4189-942D-D702A7CBA730}" type="datetimeFigureOut">
               <a:rPr lang="zh-CN" altLang="en-US" smtClean="0"/>
               <a:pPr/>
-              <a:t>2012-4-18</a:t>
+              <a:t>2012-4-20</a:t>
             </a:fld>
             <a:endParaRPr lang="zh-CN" altLang="en-US"/>
           </a:p>
@@ -633,7 +637,7 @@
             <a:fld id="{530820CF-B880-4189-942D-D702A7CBA730}" type="datetimeFigureOut">
               <a:rPr lang="zh-CN" altLang="en-US" smtClean="0"/>
               <a:pPr/>
-              <a:t>2012-4-18</a:t>
+              <a:t>2012-4-20</a:t>
             </a:fld>
             <a:endParaRPr lang="zh-CN" altLang="en-US"/>
           </a:p>
@@ -800,7 +804,7 @@
             <a:fld id="{530820CF-B880-4189-942D-D702A7CBA730}" type="datetimeFigureOut">
               <a:rPr lang="zh-CN" altLang="en-US" smtClean="0"/>
               <a:pPr/>
-              <a:t>2012-4-18</a:t>
+              <a:t>2012-4-20</a:t>
             </a:fld>
             <a:endParaRPr lang="zh-CN" altLang="en-US"/>
           </a:p>
@@ -1043,7 +1047,7 @@
             <a:fld id="{530820CF-B880-4189-942D-D702A7CBA730}" type="datetimeFigureOut">
               <a:rPr lang="zh-CN" altLang="en-US" smtClean="0"/>
               <a:pPr/>
-              <a:t>2012-4-18</a:t>
+              <a:t>2012-4-20</a:t>
             </a:fld>
             <a:endParaRPr lang="zh-CN" altLang="en-US"/>
           </a:p>
@@ -1328,7 +1332,7 @@
             <a:fld id="{530820CF-B880-4189-942D-D702A7CBA730}" type="datetimeFigureOut">
               <a:rPr lang="zh-CN" altLang="en-US" smtClean="0"/>
               <a:pPr/>
-              <a:t>2012-4-18</a:t>
+              <a:t>2012-4-20</a:t>
             </a:fld>
             <a:endParaRPr lang="zh-CN" altLang="en-US"/>
           </a:p>
@@ -1747,7 +1751,7 @@
             <a:fld id="{530820CF-B880-4189-942D-D702A7CBA730}" type="datetimeFigureOut">
               <a:rPr lang="zh-CN" altLang="en-US" smtClean="0"/>
               <a:pPr/>
-              <a:t>2012-4-18</a:t>
+              <a:t>2012-4-20</a:t>
             </a:fld>
             <a:endParaRPr lang="zh-CN" altLang="en-US"/>
           </a:p>
@@ -1862,7 +1866,7 @@
             <a:fld id="{530820CF-B880-4189-942D-D702A7CBA730}" type="datetimeFigureOut">
               <a:rPr lang="zh-CN" altLang="en-US" smtClean="0"/>
               <a:pPr/>
-              <a:t>2012-4-18</a:t>
+              <a:t>2012-4-20</a:t>
             </a:fld>
             <a:endParaRPr lang="zh-CN" altLang="en-US"/>
           </a:p>
@@ -1954,7 +1958,7 @@
             <a:fld id="{530820CF-B880-4189-942D-D702A7CBA730}" type="datetimeFigureOut">
               <a:rPr lang="zh-CN" altLang="en-US" smtClean="0"/>
               <a:pPr/>
-              <a:t>2012-4-18</a:t>
+              <a:t>2012-4-20</a:t>
             </a:fld>
             <a:endParaRPr lang="zh-CN" altLang="en-US"/>
           </a:p>
@@ -2228,7 +2232,7 @@
             <a:fld id="{530820CF-B880-4189-942D-D702A7CBA730}" type="datetimeFigureOut">
               <a:rPr lang="zh-CN" altLang="en-US" smtClean="0"/>
               <a:pPr/>
-              <a:t>2012-4-18</a:t>
+              <a:t>2012-4-20</a:t>
             </a:fld>
             <a:endParaRPr lang="zh-CN" altLang="en-US"/>
           </a:p>
@@ -2478,7 +2482,7 @@
             <a:fld id="{530820CF-B880-4189-942D-D702A7CBA730}" type="datetimeFigureOut">
               <a:rPr lang="zh-CN" altLang="en-US" smtClean="0"/>
               <a:pPr/>
-              <a:t>2012-4-18</a:t>
+              <a:t>2012-4-20</a:t>
             </a:fld>
             <a:endParaRPr lang="zh-CN" altLang="en-US"/>
           </a:p>
@@ -2693,7 +2697,7 @@
             <a:fld id="{530820CF-B880-4189-942D-D702A7CBA730}" type="datetimeFigureOut">
               <a:rPr lang="zh-CN" altLang="en-US" smtClean="0"/>
               <a:pPr/>
-              <a:t>2012-4-18</a:t>
+              <a:t>2012-4-20</a:t>
             </a:fld>
             <a:endParaRPr lang="zh-CN" altLang="en-US"/>
           </a:p>
@@ -3064,6 +3068,141 @@
           <a:chExt cx="0" cy="0"/>
         </a:xfrm>
       </p:grpSpPr>
+      <p:pic>
+        <p:nvPicPr>
+          <p:cNvPr id="1027" name="Picture 3" descr="C:\Program Files\Microsoft Office\MEDIA\CAGCAT10\j0251301.wmf"/>
+          <p:cNvPicPr>
+            <a:picLocks noChangeAspect="1" noChangeArrowheads="1"/>
+          </p:cNvPicPr>
+          <p:nvPr/>
+        </p:nvPicPr>
+        <p:blipFill>
+          <a:blip r:embed="rId2"/>
+          <a:srcRect/>
+          <a:stretch>
+            <a:fillRect/>
+          </a:stretch>
+        </p:blipFill>
+        <p:spPr bwMode="auto">
+          <a:xfrm>
+            <a:off x="2500298" y="1071546"/>
+            <a:ext cx="3786214" cy="3193589"/>
+          </a:xfrm>
+          <a:prstGeom prst="rect">
+            <a:avLst/>
+          </a:prstGeom>
+          <a:noFill/>
+        </p:spPr>
+      </p:pic>
+      <p:sp>
+        <p:nvSpPr>
+          <p:cNvPr id="2" name="标题 1"/>
+          <p:cNvSpPr>
+            <a:spLocks noGrp="1"/>
+          </p:cNvSpPr>
+          <p:nvPr>
+            <p:ph type="title"/>
+          </p:nvPr>
+        </p:nvSpPr>
+        <p:spPr/>
+        <p:txBody>
+          <a:bodyPr/>
+          <a:lstStyle/>
+          <a:p>
+            <a:r>
+              <a:rPr lang="en-US" altLang="zh-CN" dirty="0" smtClean="0"/>
+              <a:t>Sync-</a:t>
+            </a:r>
+            <a:r>
+              <a:rPr lang="en-US" altLang="zh-CN" dirty="0" err="1" smtClean="0"/>
+              <a:t>mongodb</a:t>
+            </a:r>
+            <a:r>
+              <a:rPr lang="en-US" altLang="zh-CN" dirty="0" smtClean="0"/>
+              <a:t>-cluster</a:t>
+            </a:r>
+            <a:endParaRPr lang="zh-CN" altLang="en-US" dirty="0"/>
+          </a:p>
+        </p:txBody>
+      </p:sp>
+      <p:sp>
+        <p:nvSpPr>
+          <p:cNvPr id="3" name="内容占位符 2"/>
+          <p:cNvSpPr>
+            <a:spLocks noGrp="1"/>
+          </p:cNvSpPr>
+          <p:nvPr>
+            <p:ph idx="1"/>
+          </p:nvPr>
+        </p:nvSpPr>
+        <p:spPr>
+          <a:xfrm>
+            <a:off x="2143108" y="4500570"/>
+            <a:ext cx="4714908" cy="1428760"/>
+          </a:xfrm>
+        </p:spPr>
+        <p:txBody>
+          <a:bodyPr>
+            <a:normAutofit lnSpcReduction="10000"/>
+          </a:bodyPr>
+          <a:lstStyle/>
+          <a:p>
+            <a:pPr lvl="1">
+              <a:buNone/>
+            </a:pPr>
+            <a:r>
+              <a:rPr lang="en-US" altLang="zh-CN" dirty="0" err="1" smtClean="0"/>
+              <a:t>Author:samoin</a:t>
+            </a:r>
+            <a:endParaRPr lang="en-US" altLang="zh-CN" dirty="0" smtClean="0"/>
+          </a:p>
+          <a:p>
+            <a:pPr lvl="1">
+              <a:buNone/>
+            </a:pPr>
+            <a:r>
+              <a:rPr lang="en-US" altLang="zh-CN" dirty="0" err="1" smtClean="0"/>
+              <a:t>From:JRJC</a:t>
+            </a:r>
+            <a:endParaRPr lang="en-US" altLang="zh-CN" dirty="0" smtClean="0"/>
+          </a:p>
+          <a:p>
+            <a:pPr lvl="1">
+              <a:buNone/>
+            </a:pPr>
+            <a:r>
+              <a:rPr lang="en-US" altLang="zh-CN" dirty="0" smtClean="0"/>
+              <a:t>Mail:gigi_ly180@sohu.com</a:t>
+            </a:r>
+            <a:endParaRPr lang="zh-CN" altLang="en-US" dirty="0"/>
+          </a:p>
+        </p:txBody>
+      </p:sp>
+    </p:spTree>
+  </p:cSld>
+  <p:clrMapOvr>
+    <a:masterClrMapping/>
+  </p:clrMapOvr>
+</p:sld>
+</file>
+
+<file path=ppt/slides/slide2.xml><?xml version="1.0" encoding="utf-8"?>
+<p:sld xmlns:a="http://schemas.openxmlformats.org/drawingml/2006/main" xmlns:r="http://schemas.openxmlformats.org/officeDocument/2006/relationships" xmlns:p="http://schemas.openxmlformats.org/presentationml/2006/main">
+  <p:cSld>
+    <p:spTree>
+      <p:nvGrpSpPr>
+        <p:cNvPr id="1" name=""/>
+        <p:cNvGrpSpPr/>
+        <p:nvPr/>
+      </p:nvGrpSpPr>
+      <p:grpSpPr>
+        <a:xfrm>
+          <a:off x="0" y="0"/>
+          <a:ext cx="0" cy="0"/>
+          <a:chOff x="0" y="0"/>
+          <a:chExt cx="0" cy="0"/>
+        </a:xfrm>
+      </p:grpSpPr>
       <p:grpSp>
         <p:nvGrpSpPr>
           <p:cNvPr id="11" name="组合 10"/>
@@ -3072,7 +3211,7 @@
         </p:nvGrpSpPr>
         <p:grpSpPr>
           <a:xfrm>
-            <a:off x="142844" y="928670"/>
+            <a:off x="142844" y="642918"/>
             <a:ext cx="1571636" cy="2071702"/>
             <a:chOff x="571472" y="857232"/>
             <a:chExt cx="1571636" cy="2071702"/>
@@ -3806,7 +3945,7 @@
         </p:nvGrpSpPr>
         <p:grpSpPr>
           <a:xfrm>
-            <a:off x="7429520" y="3286124"/>
+            <a:off x="7429520" y="3000372"/>
             <a:ext cx="1571636" cy="2071702"/>
             <a:chOff x="4500562" y="2428868"/>
             <a:chExt cx="1571636" cy="2071702"/>
@@ -4540,7 +4679,7 @@
         </p:nvGrpSpPr>
         <p:grpSpPr>
           <a:xfrm>
-            <a:off x="7429520" y="785794"/>
+            <a:off x="7429520" y="500042"/>
             <a:ext cx="1571636" cy="2071702"/>
             <a:chOff x="4500562" y="142852"/>
             <a:chExt cx="1571636" cy="2071702"/>
@@ -5274,7 +5413,7 @@
         </p:nvGrpSpPr>
         <p:grpSpPr>
           <a:xfrm>
-            <a:off x="785786" y="3857628"/>
+            <a:off x="785786" y="3571876"/>
             <a:ext cx="1071570" cy="1928826"/>
             <a:chOff x="2000232" y="3143248"/>
             <a:chExt cx="1071570" cy="1928826"/>
@@ -5569,7 +5708,7 @@
         </p:nvGrpSpPr>
         <p:grpSpPr>
           <a:xfrm>
-            <a:off x="2357422" y="857232"/>
+            <a:off x="2357422" y="571480"/>
             <a:ext cx="1643074" cy="2071702"/>
             <a:chOff x="2214546" y="857232"/>
             <a:chExt cx="1643074" cy="2071702"/>
@@ -5993,7 +6132,7 @@
         </p:nvGrpSpPr>
         <p:grpSpPr>
           <a:xfrm>
-            <a:off x="5214942" y="785794"/>
+            <a:off x="5214942" y="500042"/>
             <a:ext cx="1643074" cy="2071702"/>
             <a:chOff x="5000628" y="214290"/>
             <a:chExt cx="1643074" cy="2071702"/>
@@ -6417,7 +6556,7 @@
         </p:nvGrpSpPr>
         <p:grpSpPr>
           <a:xfrm>
-            <a:off x="5286380" y="3286124"/>
+            <a:off x="5286380" y="3000372"/>
             <a:ext cx="1643074" cy="2071702"/>
             <a:chOff x="5000628" y="214290"/>
             <a:chExt cx="1643074" cy="2071702"/>
@@ -6835,152 +6974,14 @@
       </p:grpSp>
       <p:sp>
         <p:nvSpPr>
-          <p:cNvPr id="47" name="右箭头 46"/>
-          <p:cNvSpPr/>
-          <p:nvPr/>
-        </p:nvSpPr>
-        <p:spPr>
-          <a:xfrm>
-            <a:off x="4000496" y="928670"/>
-            <a:ext cx="1214446" cy="71438"/>
-          </a:xfrm>
-          <a:prstGeom prst="rightArrow">
-            <a:avLst/>
-          </a:prstGeom>
-        </p:spPr>
-        <p:style>
-          <a:lnRef idx="2">
-            <a:schemeClr val="accent1">
-              <a:shade val="50000"/>
-            </a:schemeClr>
-          </a:lnRef>
-          <a:fillRef idx="1">
-            <a:schemeClr val="accent1"/>
-          </a:fillRef>
-          <a:effectRef idx="0">
-            <a:schemeClr val="accent1"/>
-          </a:effectRef>
-          <a:fontRef idx="minor">
-            <a:schemeClr val="lt1"/>
-          </a:fontRef>
-        </p:style>
-        <p:txBody>
-          <a:bodyPr rtlCol="0" anchor="ctr"/>
-          <a:lstStyle/>
-          <a:p>
-            <a:pPr algn="ctr"/>
-            <a:endParaRPr lang="zh-CN" altLang="en-US"/>
-          </a:p>
-        </p:txBody>
-      </p:sp>
-      <p:sp>
-        <p:nvSpPr>
-          <p:cNvPr id="48" name="TextBox 47"/>
-          <p:cNvSpPr txBox="1"/>
-          <p:nvPr/>
-        </p:nvSpPr>
-        <p:spPr>
-          <a:xfrm>
-            <a:off x="4000496" y="500042"/>
-            <a:ext cx="1162498" cy="369332"/>
-          </a:xfrm>
-          <a:prstGeom prst="rect">
-            <a:avLst/>
-          </a:prstGeom>
-          <a:noFill/>
-        </p:spPr>
-        <p:txBody>
-          <a:bodyPr wrap="square" rtlCol="0">
-            <a:spAutoFit/>
-          </a:bodyPr>
-          <a:lstStyle/>
-          <a:p>
-            <a:r>
-              <a:rPr lang="en-US" altLang="zh-CN" dirty="0" smtClean="0"/>
-              <a:t>Step1</a:t>
-            </a:r>
-          </a:p>
-        </p:txBody>
-      </p:sp>
-      <p:sp>
-        <p:nvSpPr>
-          <p:cNvPr id="50" name="TextBox 49"/>
-          <p:cNvSpPr txBox="1"/>
-          <p:nvPr/>
-        </p:nvSpPr>
-        <p:spPr>
-          <a:xfrm>
-            <a:off x="4000496" y="1000108"/>
-            <a:ext cx="1162498" cy="369332"/>
-          </a:xfrm>
-          <a:prstGeom prst="rect">
-            <a:avLst/>
-          </a:prstGeom>
-          <a:noFill/>
-        </p:spPr>
-        <p:txBody>
-          <a:bodyPr wrap="square" rtlCol="0">
-            <a:spAutoFit/>
-          </a:bodyPr>
-          <a:lstStyle/>
-          <a:p>
-            <a:r>
-              <a:rPr lang="en-US" altLang="zh-CN" dirty="0" smtClean="0"/>
-              <a:t>Step2</a:t>
-            </a:r>
-          </a:p>
-        </p:txBody>
-      </p:sp>
-      <p:sp>
-        <p:nvSpPr>
-          <p:cNvPr id="51" name="右箭头 50"/>
-          <p:cNvSpPr/>
-          <p:nvPr/>
-        </p:nvSpPr>
-        <p:spPr>
-          <a:xfrm rot="10800000">
-            <a:off x="4000496" y="1285860"/>
-            <a:ext cx="1214446" cy="71438"/>
-          </a:xfrm>
-          <a:prstGeom prst="rightArrow">
-            <a:avLst/>
-          </a:prstGeom>
-        </p:spPr>
-        <p:style>
-          <a:lnRef idx="2">
-            <a:schemeClr val="accent1">
-              <a:shade val="50000"/>
-            </a:schemeClr>
-          </a:lnRef>
-          <a:fillRef idx="1">
-            <a:schemeClr val="accent1"/>
-          </a:fillRef>
-          <a:effectRef idx="0">
-            <a:schemeClr val="accent1"/>
-          </a:effectRef>
-          <a:fontRef idx="minor">
-            <a:schemeClr val="lt1"/>
-          </a:fontRef>
-        </p:style>
-        <p:txBody>
-          <a:bodyPr rtlCol="0" anchor="ctr"/>
-          <a:lstStyle/>
-          <a:p>
-            <a:pPr algn="ctr"/>
-            <a:endParaRPr lang="zh-CN" altLang="en-US"/>
-          </a:p>
-        </p:txBody>
-      </p:sp>
-      <p:sp>
-        <p:nvSpPr>
           <p:cNvPr id="52" name="TextBox 51"/>
           <p:cNvSpPr txBox="1"/>
           <p:nvPr/>
         </p:nvSpPr>
         <p:spPr>
           <a:xfrm>
-            <a:off x="2357422" y="4357694"/>
-            <a:ext cx="2750625" cy="2308324"/>
+            <a:off x="2285984" y="3924264"/>
+            <a:ext cx="2951064" cy="2862322"/>
           </a:xfrm>
           <a:prstGeom prst="rect">
             <a:avLst/>
@@ -6992,163 +6993,6 @@
           </a:solidFill>
         </p:spPr>
         <p:txBody>
-          <a:bodyPr wrap="none" rtlCol="0">
-            <a:spAutoFit/>
-          </a:bodyPr>
-          <a:lstStyle/>
-          <a:p>
-            <a:r>
-              <a:rPr lang="en-US" altLang="zh-CN" dirty="0" smtClean="0"/>
-              <a:t>Step1:ask </a:t>
-            </a:r>
-            <a:r>
-              <a:rPr lang="en-US" altLang="zh-CN" dirty="0" err="1" smtClean="0"/>
-              <a:t>secrue</a:t>
-            </a:r>
-            <a:endParaRPr lang="en-US" altLang="zh-CN" dirty="0" smtClean="0"/>
-          </a:p>
-          <a:p>
-            <a:r>
-              <a:rPr lang="en-US" altLang="zh-CN" dirty="0" smtClean="0"/>
-              <a:t>Step2:answer </a:t>
-            </a:r>
-            <a:r>
-              <a:rPr lang="en-US" altLang="zh-CN" dirty="0" err="1" smtClean="0"/>
-              <a:t>secrue</a:t>
-            </a:r>
-            <a:endParaRPr lang="en-US" altLang="zh-CN" dirty="0" smtClean="0"/>
-          </a:p>
-          <a:p>
-            <a:r>
-              <a:rPr lang="en-US" altLang="zh-CN" dirty="0" smtClean="0"/>
-              <a:t>Step3:search last </a:t>
-            </a:r>
-            <a:r>
-              <a:rPr lang="en-US" altLang="zh-CN" dirty="0" err="1" smtClean="0"/>
-              <a:t>oplog</a:t>
-            </a:r>
-            <a:r>
-              <a:rPr lang="en-US" altLang="zh-CN" dirty="0" smtClean="0"/>
-              <a:t> flag</a:t>
-            </a:r>
-          </a:p>
-          <a:p>
-            <a:r>
-              <a:rPr lang="en-US" altLang="zh-CN" dirty="0" smtClean="0"/>
-              <a:t>Step4:get needed </a:t>
-            </a:r>
-            <a:r>
-              <a:rPr lang="en-US" altLang="zh-CN" dirty="0" err="1" smtClean="0"/>
-              <a:t>oplogs</a:t>
-            </a:r>
-            <a:endParaRPr lang="en-US" altLang="zh-CN" dirty="0" smtClean="0"/>
-          </a:p>
-          <a:p>
-            <a:r>
-              <a:rPr lang="en-US" altLang="zh-CN" dirty="0" smtClean="0"/>
-              <a:t>Step5:send </a:t>
-            </a:r>
-            <a:r>
-              <a:rPr lang="en-US" altLang="zh-CN" dirty="0" err="1" smtClean="0"/>
-              <a:t>oplogs</a:t>
-            </a:r>
-            <a:endParaRPr lang="en-US" altLang="zh-CN" dirty="0" smtClean="0"/>
-          </a:p>
-          <a:p>
-            <a:r>
-              <a:rPr lang="en-US" altLang="zh-CN" dirty="0" smtClean="0"/>
-              <a:t>Step6:sync </a:t>
-            </a:r>
-            <a:r>
-              <a:rPr lang="en-US" altLang="zh-CN" dirty="0" err="1" smtClean="0"/>
-              <a:t>oplog</a:t>
-            </a:r>
-            <a:endParaRPr lang="en-US" altLang="zh-CN" dirty="0" smtClean="0"/>
-          </a:p>
-          <a:p>
-            <a:r>
-              <a:rPr lang="en-US" altLang="zh-CN" dirty="0" smtClean="0"/>
-              <a:t>Step7:change </a:t>
-            </a:r>
-            <a:r>
-              <a:rPr lang="en-US" altLang="zh-CN" dirty="0" err="1" smtClean="0"/>
-              <a:t>oplog</a:t>
-            </a:r>
-            <a:r>
-              <a:rPr lang="en-US" altLang="zh-CN" dirty="0" smtClean="0"/>
-              <a:t> flag </a:t>
-            </a:r>
-          </a:p>
-          <a:p>
-            <a:r>
-              <a:rPr lang="en-US" altLang="zh-CN" dirty="0" smtClean="0"/>
-              <a:t> </a:t>
-            </a:r>
-            <a:r>
-              <a:rPr lang="en-US" altLang="zh-CN" dirty="0" smtClean="0"/>
-              <a:t>           and site synced info</a:t>
-            </a:r>
-            <a:endParaRPr lang="zh-CN" altLang="en-US" dirty="0"/>
-          </a:p>
-        </p:txBody>
-      </p:sp>
-      <p:sp>
-        <p:nvSpPr>
-          <p:cNvPr id="53" name="右箭头 52"/>
-          <p:cNvSpPr/>
-          <p:nvPr/>
-        </p:nvSpPr>
-        <p:spPr>
-          <a:xfrm>
-            <a:off x="4000496" y="1714488"/>
-            <a:ext cx="1214446" cy="71438"/>
-          </a:xfrm>
-          <a:prstGeom prst="rightArrow">
-            <a:avLst/>
-          </a:prstGeom>
-        </p:spPr>
-        <p:style>
-          <a:lnRef idx="2">
-            <a:schemeClr val="accent1">
-              <a:shade val="50000"/>
-            </a:schemeClr>
-          </a:lnRef>
-          <a:fillRef idx="1">
-            <a:schemeClr val="accent1"/>
-          </a:fillRef>
-          <a:effectRef idx="0">
-            <a:schemeClr val="accent1"/>
-          </a:effectRef>
-          <a:fontRef idx="minor">
-            <a:schemeClr val="lt1"/>
-          </a:fontRef>
-        </p:style>
-        <p:txBody>
-          <a:bodyPr rtlCol="0" anchor="ctr"/>
-          <a:lstStyle/>
-          <a:p>
-            <a:pPr algn="ctr"/>
-            <a:endParaRPr lang="zh-CN" altLang="en-US"/>
-          </a:p>
-        </p:txBody>
-      </p:sp>
-      <p:sp>
-        <p:nvSpPr>
-          <p:cNvPr id="54" name="TextBox 53"/>
-          <p:cNvSpPr txBox="1"/>
-          <p:nvPr/>
-        </p:nvSpPr>
-        <p:spPr>
-          <a:xfrm>
-            <a:off x="4000496" y="1428736"/>
-            <a:ext cx="1162498" cy="369332"/>
-          </a:xfrm>
-          <a:prstGeom prst="rect">
-            <a:avLst/>
-          </a:prstGeom>
-          <a:noFill/>
-        </p:spPr>
-        <p:txBody>
           <a:bodyPr wrap="square" rtlCol="0">
             <a:spAutoFit/>
           </a:bodyPr>
@@ -7156,48 +7000,131 @@
           <a:p>
             <a:r>
               <a:rPr lang="en-US" altLang="zh-CN" dirty="0" smtClean="0"/>
-              <a:t>Step5</a:t>
-            </a:r>
-          </a:p>
-        </p:txBody>
-      </p:sp>
-      <p:sp>
-        <p:nvSpPr>
-          <p:cNvPr id="55" name="右箭头 54"/>
-          <p:cNvSpPr/>
-          <p:nvPr/>
-        </p:nvSpPr>
-        <p:spPr>
-          <a:xfrm rot="10800000">
-            <a:off x="4000496" y="2143116"/>
-            <a:ext cx="1214446" cy="71438"/>
-          </a:xfrm>
-          <a:prstGeom prst="rightArrow">
-            <a:avLst/>
-          </a:prstGeom>
-        </p:spPr>
-        <p:style>
-          <a:lnRef idx="2">
-            <a:schemeClr val="accent1">
-              <a:shade val="50000"/>
-            </a:schemeClr>
-          </a:lnRef>
-          <a:fillRef idx="1">
-            <a:schemeClr val="accent1"/>
-          </a:fillRef>
-          <a:effectRef idx="0">
-            <a:schemeClr val="accent1"/>
-          </a:effectRef>
-          <a:fontRef idx="minor">
-            <a:schemeClr val="lt1"/>
-          </a:fontRef>
-        </p:style>
-        <p:txBody>
-          <a:bodyPr rtlCol="0" anchor="ctr"/>
-          <a:lstStyle/>
-          <a:p>
-            <a:pPr algn="ctr"/>
-            <a:endParaRPr lang="zh-CN" altLang="en-US"/>
+              <a:t>Step1:ask </a:t>
+            </a:r>
+            <a:r>
+              <a:rPr lang="en-US" altLang="zh-CN" dirty="0" err="1" smtClean="0"/>
+              <a:t>secrue</a:t>
+            </a:r>
+            <a:endParaRPr lang="en-US" altLang="zh-CN" dirty="0" smtClean="0"/>
+          </a:p>
+          <a:p>
+            <a:r>
+              <a:rPr lang="en-US" altLang="zh-CN" dirty="0" smtClean="0"/>
+              <a:t>Step2:answer </a:t>
+            </a:r>
+            <a:r>
+              <a:rPr lang="en-US" altLang="zh-CN" dirty="0" err="1" smtClean="0"/>
+              <a:t>secrue</a:t>
+            </a:r>
+            <a:r>
+              <a:rPr lang="en-US" altLang="zh-CN" dirty="0" smtClean="0"/>
+              <a:t> </a:t>
+            </a:r>
+          </a:p>
+          <a:p>
+            <a:r>
+              <a:rPr lang="en-US" altLang="zh-CN" dirty="0" smtClean="0"/>
+              <a:t>and tell recently </a:t>
+            </a:r>
+            <a:r>
+              <a:rPr lang="en-US" altLang="zh-CN" dirty="0" err="1" smtClean="0"/>
+              <a:t>ts</a:t>
+            </a:r>
+            <a:r>
+              <a:rPr lang="en-US" altLang="zh-CN" dirty="0" smtClean="0"/>
+              <a:t> in </a:t>
+            </a:r>
+            <a:r>
+              <a:rPr lang="en-US" altLang="zh-CN" dirty="0" err="1" smtClean="0"/>
+              <a:t>oplog.rs</a:t>
+            </a:r>
+            <a:endParaRPr lang="en-US" altLang="zh-CN" dirty="0" smtClean="0"/>
+          </a:p>
+          <a:p>
+            <a:r>
+              <a:rPr lang="en-US" altLang="zh-CN" dirty="0" smtClean="0"/>
+              <a:t>Step3:search last </a:t>
+            </a:r>
+            <a:r>
+              <a:rPr lang="en-US" altLang="zh-CN" dirty="0" err="1" smtClean="0"/>
+              <a:t>oplog</a:t>
+            </a:r>
+            <a:r>
+              <a:rPr lang="en-US" altLang="zh-CN" dirty="0" smtClean="0"/>
+              <a:t> flag</a:t>
+            </a:r>
+          </a:p>
+          <a:p>
+            <a:r>
+              <a:rPr lang="en-US" altLang="zh-CN" dirty="0" smtClean="0"/>
+              <a:t>Step4:get needed </a:t>
+            </a:r>
+            <a:r>
+              <a:rPr lang="en-US" altLang="zh-CN" dirty="0" err="1" smtClean="0"/>
+              <a:t>oplogs</a:t>
+            </a:r>
+            <a:endParaRPr lang="en-US" altLang="zh-CN" dirty="0" smtClean="0"/>
+          </a:p>
+          <a:p>
+            <a:r>
+              <a:rPr lang="en-US" altLang="zh-CN" dirty="0" smtClean="0"/>
+              <a:t>Step5:send </a:t>
+            </a:r>
+            <a:r>
+              <a:rPr lang="en-US" altLang="zh-CN" dirty="0" err="1" smtClean="0"/>
+              <a:t>ziped</a:t>
+            </a:r>
+            <a:r>
+              <a:rPr lang="en-US" altLang="zh-CN" dirty="0" smtClean="0"/>
+              <a:t> </a:t>
+            </a:r>
+            <a:r>
+              <a:rPr lang="en-US" altLang="zh-CN" dirty="0" err="1" smtClean="0"/>
+              <a:t>oplogs</a:t>
+            </a:r>
+            <a:endParaRPr lang="en-US" altLang="zh-CN" dirty="0" smtClean="0"/>
+          </a:p>
+          <a:p>
+            <a:r>
+              <a:rPr lang="en-US" altLang="zh-CN" dirty="0" smtClean="0"/>
+              <a:t>Step6:sync </a:t>
+            </a:r>
+            <a:r>
+              <a:rPr lang="en-US" altLang="zh-CN" dirty="0" err="1" smtClean="0"/>
+              <a:t>oplog</a:t>
+            </a:r>
+            <a:r>
+              <a:rPr lang="en-US" altLang="zh-CN" dirty="0" smtClean="0"/>
+              <a:t> </a:t>
+            </a:r>
+          </a:p>
+          <a:p>
+            <a:r>
+              <a:rPr lang="en-US" altLang="zh-CN" dirty="0" smtClean="0"/>
+              <a:t> and return states</a:t>
+            </a:r>
+          </a:p>
+          <a:p>
+            <a:r>
+              <a:rPr lang="en-US" altLang="zh-CN" dirty="0" smtClean="0"/>
+              <a:t>Step7:change </a:t>
+            </a:r>
+            <a:r>
+              <a:rPr lang="en-US" altLang="zh-CN" dirty="0" err="1" smtClean="0"/>
+              <a:t>oplog</a:t>
+            </a:r>
+            <a:r>
+              <a:rPr lang="en-US" altLang="zh-CN" dirty="0" smtClean="0"/>
+              <a:t> flag </a:t>
+            </a:r>
+          </a:p>
+          <a:p>
+            <a:r>
+              <a:rPr lang="en-US" altLang="zh-CN" dirty="0" smtClean="0"/>
+              <a:t>            and site synced info</a:t>
+            </a:r>
+            <a:endParaRPr lang="zh-CN" altLang="en-US" dirty="0"/>
           </a:p>
         </p:txBody>
       </p:sp>
@@ -7209,7 +7136,7 @@
         </p:nvSpPr>
         <p:spPr>
           <a:xfrm>
-            <a:off x="6858016" y="1428736"/>
+            <a:off x="6858016" y="1142984"/>
             <a:ext cx="571504" cy="71438"/>
           </a:xfrm>
           <a:prstGeom prst="rightArrow">
@@ -7249,7 +7176,7 @@
         </p:nvSpPr>
         <p:spPr>
           <a:xfrm>
-            <a:off x="6767088" y="1000108"/>
+            <a:off x="6767088" y="714356"/>
             <a:ext cx="1162498" cy="369332"/>
           </a:xfrm>
           <a:prstGeom prst="rect">
@@ -7265,149 +7192,411 @@
           <a:p>
             <a:r>
               <a:rPr lang="en-US" altLang="zh-CN" dirty="0" smtClean="0"/>
-              <a:t>Step4</a:t>
+              <a:t>Step2</a:t>
             </a:r>
           </a:p>
         </p:txBody>
       </p:sp>
-      <p:sp>
-        <p:nvSpPr>
-          <p:cNvPr id="58" name="TextBox 57"/>
-          <p:cNvSpPr txBox="1"/>
+      <p:grpSp>
+        <p:nvGrpSpPr>
+          <p:cNvPr id="65" name="组合 64"/>
+          <p:cNvGrpSpPr/>
           <p:nvPr/>
-        </p:nvSpPr>
-        <p:spPr>
+        </p:nvGrpSpPr>
+        <p:grpSpPr>
           <a:xfrm>
-            <a:off x="4000496" y="1785926"/>
-            <a:ext cx="1162498" cy="369332"/>
+            <a:off x="4000496" y="428604"/>
+            <a:ext cx="1214446" cy="2143140"/>
+            <a:chOff x="4000496" y="500042"/>
+            <a:chExt cx="1214446" cy="2143140"/>
           </a:xfrm>
-          <a:prstGeom prst="rect">
-            <a:avLst/>
-          </a:prstGeom>
-          <a:noFill/>
-        </p:spPr>
-        <p:txBody>
-          <a:bodyPr wrap="square" rtlCol="0">
-            <a:spAutoFit/>
-          </a:bodyPr>
-          <a:lstStyle/>
-          <a:p>
-            <a:r>
-              <a:rPr lang="en-US" altLang="zh-CN" dirty="0" smtClean="0"/>
-              <a:t>Step6</a:t>
-            </a:r>
-          </a:p>
-        </p:txBody>
-      </p:sp>
-      <p:sp>
-        <p:nvSpPr>
-          <p:cNvPr id="60" name="右箭头 59"/>
-          <p:cNvSpPr/>
-          <p:nvPr/>
-        </p:nvSpPr>
-        <p:spPr>
-          <a:xfrm>
-            <a:off x="4000496" y="2571744"/>
-            <a:ext cx="1214446" cy="71438"/>
-          </a:xfrm>
-          <a:prstGeom prst="rightArrow">
-            <a:avLst/>
-          </a:prstGeom>
-        </p:spPr>
-        <p:style>
-          <a:lnRef idx="2">
-            <a:schemeClr val="accent1">
-              <a:shade val="50000"/>
-            </a:schemeClr>
-          </a:lnRef>
-          <a:fillRef idx="1">
-            <a:schemeClr val="accent1"/>
-          </a:fillRef>
-          <a:effectRef idx="0">
-            <a:schemeClr val="accent1"/>
-          </a:effectRef>
-          <a:fontRef idx="minor">
-            <a:schemeClr val="lt1"/>
-          </a:fontRef>
-        </p:style>
-        <p:txBody>
-          <a:bodyPr rtlCol="0" anchor="ctr"/>
-          <a:lstStyle/>
-          <a:p>
-            <a:pPr algn="ctr"/>
-            <a:endParaRPr lang="zh-CN" altLang="en-US"/>
-          </a:p>
-        </p:txBody>
-      </p:sp>
-      <p:sp>
-        <p:nvSpPr>
-          <p:cNvPr id="61" name="右箭头 60"/>
-          <p:cNvSpPr/>
-          <p:nvPr/>
-        </p:nvSpPr>
-        <p:spPr>
-          <a:xfrm rot="10800000">
-            <a:off x="4000496" y="2571744"/>
-            <a:ext cx="1214446" cy="71438"/>
-          </a:xfrm>
-          <a:prstGeom prst="rightArrow">
-            <a:avLst/>
-          </a:prstGeom>
-        </p:spPr>
-        <p:style>
-          <a:lnRef idx="2">
-            <a:schemeClr val="accent1">
-              <a:shade val="50000"/>
-            </a:schemeClr>
-          </a:lnRef>
-          <a:fillRef idx="1">
-            <a:schemeClr val="accent1"/>
-          </a:fillRef>
-          <a:effectRef idx="0">
-            <a:schemeClr val="accent1"/>
-          </a:effectRef>
-          <a:fontRef idx="minor">
-            <a:schemeClr val="lt1"/>
-          </a:fontRef>
-        </p:style>
-        <p:txBody>
-          <a:bodyPr rtlCol="0" anchor="ctr"/>
-          <a:lstStyle/>
-          <a:p>
-            <a:pPr algn="ctr"/>
-            <a:endParaRPr lang="zh-CN" altLang="en-US"/>
-          </a:p>
-        </p:txBody>
-      </p:sp>
-      <p:sp>
-        <p:nvSpPr>
-          <p:cNvPr id="62" name="TextBox 61"/>
-          <p:cNvSpPr txBox="1"/>
-          <p:nvPr/>
-        </p:nvSpPr>
-        <p:spPr>
-          <a:xfrm>
-            <a:off x="4000496" y="2202412"/>
-            <a:ext cx="1162498" cy="369332"/>
-          </a:xfrm>
-          <a:prstGeom prst="rect">
-            <a:avLst/>
-          </a:prstGeom>
-          <a:noFill/>
-        </p:spPr>
-        <p:txBody>
-          <a:bodyPr wrap="square" rtlCol="0">
-            <a:spAutoFit/>
-          </a:bodyPr>
-          <a:lstStyle/>
-          <a:p>
-            <a:r>
-              <a:rPr lang="en-US" altLang="zh-CN" dirty="0" smtClean="0"/>
-              <a:t>Step5 &amp; 6</a:t>
-            </a:r>
-          </a:p>
-        </p:txBody>
-      </p:sp>
+        </p:grpSpPr>
+        <p:sp>
+          <p:nvSpPr>
+            <p:cNvPr id="47" name="右箭头 46"/>
+            <p:cNvSpPr/>
+            <p:nvPr/>
+          </p:nvSpPr>
+          <p:spPr>
+            <a:xfrm>
+              <a:off x="4000496" y="928670"/>
+              <a:ext cx="1214446" cy="71438"/>
+            </a:xfrm>
+            <a:prstGeom prst="rightArrow">
+              <a:avLst/>
+            </a:prstGeom>
+          </p:spPr>
+          <p:style>
+            <a:lnRef idx="2">
+              <a:schemeClr val="accent1">
+                <a:shade val="50000"/>
+              </a:schemeClr>
+            </a:lnRef>
+            <a:fillRef idx="1">
+              <a:schemeClr val="accent1"/>
+            </a:fillRef>
+            <a:effectRef idx="0">
+              <a:schemeClr val="accent1"/>
+            </a:effectRef>
+            <a:fontRef idx="minor">
+              <a:schemeClr val="lt1"/>
+            </a:fontRef>
+          </p:style>
+          <p:txBody>
+            <a:bodyPr rtlCol="0" anchor="ctr"/>
+            <a:lstStyle/>
+            <a:p>
+              <a:pPr algn="ctr"/>
+              <a:endParaRPr lang="zh-CN" altLang="en-US"/>
+            </a:p>
+          </p:txBody>
+        </p:sp>
+        <p:sp>
+          <p:nvSpPr>
+            <p:cNvPr id="48" name="TextBox 47"/>
+            <p:cNvSpPr txBox="1"/>
+            <p:nvPr/>
+          </p:nvSpPr>
+          <p:spPr>
+            <a:xfrm>
+              <a:off x="4000496" y="500042"/>
+              <a:ext cx="1162498" cy="369332"/>
+            </a:xfrm>
+            <a:prstGeom prst="rect">
+              <a:avLst/>
+            </a:prstGeom>
+            <a:noFill/>
+          </p:spPr>
+          <p:txBody>
+            <a:bodyPr wrap="square" rtlCol="0">
+              <a:spAutoFit/>
+            </a:bodyPr>
+            <a:lstStyle/>
+            <a:p>
+              <a:r>
+                <a:rPr lang="en-US" altLang="zh-CN" dirty="0" smtClean="0"/>
+                <a:t>Step1</a:t>
+              </a:r>
+            </a:p>
+          </p:txBody>
+        </p:sp>
+        <p:sp>
+          <p:nvSpPr>
+            <p:cNvPr id="50" name="TextBox 49"/>
+            <p:cNvSpPr txBox="1"/>
+            <p:nvPr/>
+          </p:nvSpPr>
+          <p:spPr>
+            <a:xfrm>
+              <a:off x="4000496" y="1000108"/>
+              <a:ext cx="1162498" cy="369332"/>
+            </a:xfrm>
+            <a:prstGeom prst="rect">
+              <a:avLst/>
+            </a:prstGeom>
+            <a:noFill/>
+          </p:spPr>
+          <p:txBody>
+            <a:bodyPr wrap="square" rtlCol="0">
+              <a:spAutoFit/>
+            </a:bodyPr>
+            <a:lstStyle/>
+            <a:p>
+              <a:r>
+                <a:rPr lang="en-US" altLang="zh-CN" dirty="0" smtClean="0"/>
+                <a:t>Step2</a:t>
+              </a:r>
+            </a:p>
+          </p:txBody>
+        </p:sp>
+        <p:sp>
+          <p:nvSpPr>
+            <p:cNvPr id="51" name="右箭头 50"/>
+            <p:cNvSpPr/>
+            <p:nvPr/>
+          </p:nvSpPr>
+          <p:spPr>
+            <a:xfrm rot="10800000">
+              <a:off x="4000496" y="1285860"/>
+              <a:ext cx="1214446" cy="71438"/>
+            </a:xfrm>
+            <a:prstGeom prst="rightArrow">
+              <a:avLst/>
+            </a:prstGeom>
+          </p:spPr>
+          <p:style>
+            <a:lnRef idx="2">
+              <a:schemeClr val="accent1">
+                <a:shade val="50000"/>
+              </a:schemeClr>
+            </a:lnRef>
+            <a:fillRef idx="1">
+              <a:schemeClr val="accent1"/>
+            </a:fillRef>
+            <a:effectRef idx="0">
+              <a:schemeClr val="accent1"/>
+            </a:effectRef>
+            <a:fontRef idx="minor">
+              <a:schemeClr val="lt1"/>
+            </a:fontRef>
+          </p:style>
+          <p:txBody>
+            <a:bodyPr rtlCol="0" anchor="ctr"/>
+            <a:lstStyle/>
+            <a:p>
+              <a:pPr algn="ctr"/>
+              <a:endParaRPr lang="zh-CN" altLang="en-US"/>
+            </a:p>
+          </p:txBody>
+        </p:sp>
+        <p:sp>
+          <p:nvSpPr>
+            <p:cNvPr id="53" name="右箭头 52"/>
+            <p:cNvSpPr/>
+            <p:nvPr/>
+          </p:nvSpPr>
+          <p:spPr>
+            <a:xfrm>
+              <a:off x="4000496" y="1714488"/>
+              <a:ext cx="1214446" cy="71438"/>
+            </a:xfrm>
+            <a:prstGeom prst="rightArrow">
+              <a:avLst/>
+            </a:prstGeom>
+          </p:spPr>
+          <p:style>
+            <a:lnRef idx="2">
+              <a:schemeClr val="accent1">
+                <a:shade val="50000"/>
+              </a:schemeClr>
+            </a:lnRef>
+            <a:fillRef idx="1">
+              <a:schemeClr val="accent1"/>
+            </a:fillRef>
+            <a:effectRef idx="0">
+              <a:schemeClr val="accent1"/>
+            </a:effectRef>
+            <a:fontRef idx="minor">
+              <a:schemeClr val="lt1"/>
+            </a:fontRef>
+          </p:style>
+          <p:txBody>
+            <a:bodyPr rtlCol="0" anchor="ctr"/>
+            <a:lstStyle/>
+            <a:p>
+              <a:pPr algn="ctr"/>
+              <a:endParaRPr lang="zh-CN" altLang="en-US"/>
+            </a:p>
+          </p:txBody>
+        </p:sp>
+        <p:sp>
+          <p:nvSpPr>
+            <p:cNvPr id="54" name="TextBox 53"/>
+            <p:cNvSpPr txBox="1"/>
+            <p:nvPr/>
+          </p:nvSpPr>
+          <p:spPr>
+            <a:xfrm>
+              <a:off x="4000496" y="1428736"/>
+              <a:ext cx="1162498" cy="369332"/>
+            </a:xfrm>
+            <a:prstGeom prst="rect">
+              <a:avLst/>
+            </a:prstGeom>
+            <a:noFill/>
+          </p:spPr>
+          <p:txBody>
+            <a:bodyPr wrap="square" rtlCol="0">
+              <a:spAutoFit/>
+            </a:bodyPr>
+            <a:lstStyle/>
+            <a:p>
+              <a:r>
+                <a:rPr lang="en-US" altLang="zh-CN" dirty="0" smtClean="0"/>
+                <a:t>Step5</a:t>
+              </a:r>
+            </a:p>
+          </p:txBody>
+        </p:sp>
+        <p:sp>
+          <p:nvSpPr>
+            <p:cNvPr id="55" name="右箭头 54"/>
+            <p:cNvSpPr/>
+            <p:nvPr/>
+          </p:nvSpPr>
+          <p:spPr>
+            <a:xfrm rot="10800000">
+              <a:off x="4000496" y="2143116"/>
+              <a:ext cx="1214446" cy="71438"/>
+            </a:xfrm>
+            <a:prstGeom prst="rightArrow">
+              <a:avLst/>
+            </a:prstGeom>
+          </p:spPr>
+          <p:style>
+            <a:lnRef idx="2">
+              <a:schemeClr val="accent1">
+                <a:shade val="50000"/>
+              </a:schemeClr>
+            </a:lnRef>
+            <a:fillRef idx="1">
+              <a:schemeClr val="accent1"/>
+            </a:fillRef>
+            <a:effectRef idx="0">
+              <a:schemeClr val="accent1"/>
+            </a:effectRef>
+            <a:fontRef idx="minor">
+              <a:schemeClr val="lt1"/>
+            </a:fontRef>
+          </p:style>
+          <p:txBody>
+            <a:bodyPr rtlCol="0" anchor="ctr"/>
+            <a:lstStyle/>
+            <a:p>
+              <a:pPr algn="ctr"/>
+              <a:endParaRPr lang="zh-CN" altLang="en-US"/>
+            </a:p>
+          </p:txBody>
+        </p:sp>
+        <p:sp>
+          <p:nvSpPr>
+            <p:cNvPr id="58" name="TextBox 57"/>
+            <p:cNvSpPr txBox="1"/>
+            <p:nvPr/>
+          </p:nvSpPr>
+          <p:spPr>
+            <a:xfrm>
+              <a:off x="4000496" y="1785926"/>
+              <a:ext cx="1162498" cy="369332"/>
+            </a:xfrm>
+            <a:prstGeom prst="rect">
+              <a:avLst/>
+            </a:prstGeom>
+            <a:noFill/>
+          </p:spPr>
+          <p:txBody>
+            <a:bodyPr wrap="square" rtlCol="0">
+              <a:spAutoFit/>
+            </a:bodyPr>
+            <a:lstStyle/>
+            <a:p>
+              <a:r>
+                <a:rPr lang="en-US" altLang="zh-CN" dirty="0" smtClean="0"/>
+                <a:t>Step6</a:t>
+              </a:r>
+            </a:p>
+          </p:txBody>
+        </p:sp>
+        <p:sp>
+          <p:nvSpPr>
+            <p:cNvPr id="60" name="右箭头 59"/>
+            <p:cNvSpPr/>
+            <p:nvPr/>
+          </p:nvSpPr>
+          <p:spPr>
+            <a:xfrm>
+              <a:off x="4000496" y="2571744"/>
+              <a:ext cx="1214446" cy="71438"/>
+            </a:xfrm>
+            <a:prstGeom prst="rightArrow">
+              <a:avLst/>
+            </a:prstGeom>
+          </p:spPr>
+          <p:style>
+            <a:lnRef idx="2">
+              <a:schemeClr val="accent1">
+                <a:shade val="50000"/>
+              </a:schemeClr>
+            </a:lnRef>
+            <a:fillRef idx="1">
+              <a:schemeClr val="accent1"/>
+            </a:fillRef>
+            <a:effectRef idx="0">
+              <a:schemeClr val="accent1"/>
+            </a:effectRef>
+            <a:fontRef idx="minor">
+              <a:schemeClr val="lt1"/>
+            </a:fontRef>
+          </p:style>
+          <p:txBody>
+            <a:bodyPr rtlCol="0" anchor="ctr"/>
+            <a:lstStyle/>
+            <a:p>
+              <a:pPr algn="ctr"/>
+              <a:endParaRPr lang="zh-CN" altLang="en-US"/>
+            </a:p>
+          </p:txBody>
+        </p:sp>
+        <p:sp>
+          <p:nvSpPr>
+            <p:cNvPr id="61" name="右箭头 60"/>
+            <p:cNvSpPr/>
+            <p:nvPr/>
+          </p:nvSpPr>
+          <p:spPr>
+            <a:xfrm rot="10800000">
+              <a:off x="4000496" y="2571744"/>
+              <a:ext cx="1214446" cy="71438"/>
+            </a:xfrm>
+            <a:prstGeom prst="rightArrow">
+              <a:avLst/>
+            </a:prstGeom>
+          </p:spPr>
+          <p:style>
+            <a:lnRef idx="2">
+              <a:schemeClr val="accent1">
+                <a:shade val="50000"/>
+              </a:schemeClr>
+            </a:lnRef>
+            <a:fillRef idx="1">
+              <a:schemeClr val="accent1"/>
+            </a:fillRef>
+            <a:effectRef idx="0">
+              <a:schemeClr val="accent1"/>
+            </a:effectRef>
+            <a:fontRef idx="minor">
+              <a:schemeClr val="lt1"/>
+            </a:fontRef>
+          </p:style>
+          <p:txBody>
+            <a:bodyPr rtlCol="0" anchor="ctr"/>
+            <a:lstStyle/>
+            <a:p>
+              <a:pPr algn="ctr"/>
+              <a:endParaRPr lang="zh-CN" altLang="en-US"/>
+            </a:p>
+          </p:txBody>
+        </p:sp>
+        <p:sp>
+          <p:nvSpPr>
+            <p:cNvPr id="62" name="TextBox 61"/>
+            <p:cNvSpPr txBox="1"/>
+            <p:nvPr/>
+          </p:nvSpPr>
+          <p:spPr>
+            <a:xfrm>
+              <a:off x="4000496" y="2202412"/>
+              <a:ext cx="1162498" cy="369332"/>
+            </a:xfrm>
+            <a:prstGeom prst="rect">
+              <a:avLst/>
+            </a:prstGeom>
+            <a:noFill/>
+          </p:spPr>
+          <p:txBody>
+            <a:bodyPr wrap="square" rtlCol="0">
+              <a:spAutoFit/>
+            </a:bodyPr>
+            <a:lstStyle/>
+            <a:p>
+              <a:r>
+                <a:rPr lang="en-US" altLang="zh-CN" dirty="0" smtClean="0"/>
+                <a:t>Step5 &amp; 6</a:t>
+              </a:r>
+            </a:p>
+          </p:txBody>
+        </p:sp>
+      </p:grpSp>
       <p:sp>
         <p:nvSpPr>
           <p:cNvPr id="63" name="右箭头 62"/>
@@ -7416,7 +7605,7 @@
         </p:nvSpPr>
         <p:spPr>
           <a:xfrm rot="7812498">
-            <a:off x="1647925" y="3323276"/>
+            <a:off x="1647925" y="3037524"/>
             <a:ext cx="969077" cy="144116"/>
           </a:xfrm>
           <a:prstGeom prst="rightArrow">
@@ -7456,7 +7645,7 @@
         </p:nvSpPr>
         <p:spPr>
           <a:xfrm rot="18578798">
-            <a:off x="1903113" y="3183703"/>
+            <a:off x="1903113" y="2897951"/>
             <a:ext cx="1162498" cy="369332"/>
           </a:xfrm>
           <a:prstGeom prst="rect">
@@ -7485,7 +7674,7 @@
         </p:nvSpPr>
         <p:spPr>
           <a:xfrm rot="10800000" flipV="1">
-            <a:off x="1714480" y="1714488"/>
+            <a:off x="1714480" y="1428736"/>
             <a:ext cx="642942" cy="214314"/>
           </a:xfrm>
           <a:prstGeom prst="rightArrow">
@@ -7525,7 +7714,7 @@
         </p:nvSpPr>
         <p:spPr>
           <a:xfrm>
-            <a:off x="1643042" y="1357298"/>
+            <a:off x="1643042" y="1071546"/>
             <a:ext cx="1162498" cy="369332"/>
           </a:xfrm>
           <a:prstGeom prst="rect">
@@ -7554,7 +7743,7 @@
         </p:nvSpPr>
         <p:spPr>
           <a:xfrm rot="7812498">
-            <a:off x="1599587" y="3708729"/>
+            <a:off x="1575025" y="3351539"/>
             <a:ext cx="1926959" cy="154921"/>
           </a:xfrm>
           <a:prstGeom prst="rightArrow">
@@ -7594,7 +7783,7 @@
         </p:nvSpPr>
         <p:spPr>
           <a:xfrm rot="18578798">
-            <a:off x="2289232" y="3595405"/>
+            <a:off x="2289232" y="3095339"/>
             <a:ext cx="1162498" cy="369332"/>
           </a:xfrm>
           <a:prstGeom prst="rect">
@@ -7612,6 +7801,171 @@
               <a:rPr lang="en-US" altLang="zh-CN" dirty="0" smtClean="0"/>
               <a:t>Step7</a:t>
             </a:r>
+          </a:p>
+        </p:txBody>
+      </p:sp>
+      <p:sp>
+        <p:nvSpPr>
+          <p:cNvPr id="66" name="右箭头 65"/>
+          <p:cNvSpPr/>
+          <p:nvPr/>
+        </p:nvSpPr>
+        <p:spPr>
+          <a:xfrm>
+            <a:off x="6858016" y="1643050"/>
+            <a:ext cx="571504" cy="71438"/>
+          </a:xfrm>
+          <a:prstGeom prst="rightArrow">
+            <a:avLst/>
+          </a:prstGeom>
+        </p:spPr>
+        <p:style>
+          <a:lnRef idx="2">
+            <a:schemeClr val="accent1">
+              <a:shade val="50000"/>
+            </a:schemeClr>
+          </a:lnRef>
+          <a:fillRef idx="1">
+            <a:schemeClr val="accent1"/>
+          </a:fillRef>
+          <a:effectRef idx="0">
+            <a:schemeClr val="accent1"/>
+          </a:effectRef>
+          <a:fontRef idx="minor">
+            <a:schemeClr val="lt1"/>
+          </a:fontRef>
+        </p:style>
+        <p:txBody>
+          <a:bodyPr rtlCol="0" anchor="ctr"/>
+          <a:lstStyle/>
+          <a:p>
+            <a:pPr algn="ctr"/>
+            <a:endParaRPr lang="zh-CN" altLang="en-US"/>
+          </a:p>
+        </p:txBody>
+      </p:sp>
+      <p:sp>
+        <p:nvSpPr>
+          <p:cNvPr id="71" name="TextBox 70"/>
+          <p:cNvSpPr txBox="1"/>
+          <p:nvPr/>
+        </p:nvSpPr>
+        <p:spPr>
+          <a:xfrm>
+            <a:off x="6786578" y="1285860"/>
+            <a:ext cx="733870" cy="369332"/>
+          </a:xfrm>
+          <a:prstGeom prst="rect">
+            <a:avLst/>
+          </a:prstGeom>
+          <a:noFill/>
+        </p:spPr>
+        <p:txBody>
+          <a:bodyPr wrap="square" rtlCol="0">
+            <a:spAutoFit/>
+          </a:bodyPr>
+          <a:lstStyle/>
+          <a:p>
+            <a:r>
+              <a:rPr lang="en-US" altLang="zh-CN" dirty="0" smtClean="0"/>
+              <a:t>Step4</a:t>
+            </a:r>
+          </a:p>
+        </p:txBody>
+      </p:sp>
+      <p:sp>
+        <p:nvSpPr>
+          <p:cNvPr id="72" name="TextBox 71"/>
+          <p:cNvSpPr txBox="1"/>
+          <p:nvPr/>
+        </p:nvSpPr>
+        <p:spPr>
+          <a:xfrm>
+            <a:off x="6072198" y="5143512"/>
+            <a:ext cx="214314" cy="1200329"/>
+          </a:xfrm>
+          <a:prstGeom prst="rect">
+            <a:avLst/>
+          </a:prstGeom>
+          <a:noFill/>
+        </p:spPr>
+        <p:txBody>
+          <a:bodyPr wrap="square" rtlCol="0">
+            <a:spAutoFit/>
+          </a:bodyPr>
+          <a:lstStyle/>
+          <a:p>
+            <a:r>
+              <a:rPr lang="en-US" altLang="zh-CN" b="1" dirty="0" smtClean="0"/>
+              <a:t>.</a:t>
+            </a:r>
+          </a:p>
+          <a:p>
+            <a:r>
+              <a:rPr lang="en-US" altLang="zh-CN" b="1" dirty="0" smtClean="0"/>
+              <a:t>.</a:t>
+            </a:r>
+          </a:p>
+          <a:p>
+            <a:r>
+              <a:rPr lang="en-US" altLang="zh-CN" b="1" dirty="0" smtClean="0"/>
+              <a:t>.</a:t>
+            </a:r>
+          </a:p>
+          <a:p>
+            <a:r>
+              <a:rPr lang="en-US" altLang="zh-CN" b="1" dirty="0" smtClean="0"/>
+              <a:t>.</a:t>
+            </a:r>
+            <a:endParaRPr lang="zh-CN" altLang="en-US" b="1" dirty="0"/>
+          </a:p>
+        </p:txBody>
+      </p:sp>
+      <p:sp>
+        <p:nvSpPr>
+          <p:cNvPr id="73" name="TextBox 72"/>
+          <p:cNvSpPr txBox="1"/>
+          <p:nvPr/>
+        </p:nvSpPr>
+        <p:spPr>
+          <a:xfrm>
+            <a:off x="8001024" y="5214950"/>
+            <a:ext cx="214314" cy="1200329"/>
+          </a:xfrm>
+          <a:prstGeom prst="rect">
+            <a:avLst/>
+          </a:prstGeom>
+          <a:noFill/>
+        </p:spPr>
+        <p:txBody>
+          <a:bodyPr wrap="square" rtlCol="0">
+            <a:spAutoFit/>
+          </a:bodyPr>
+          <a:lstStyle/>
+          <a:p>
+            <a:r>
+              <a:rPr lang="en-US" altLang="zh-CN" b="1" dirty="0" smtClean="0"/>
+              <a:t>.</a:t>
+            </a:r>
+          </a:p>
+          <a:p>
+            <a:r>
+              <a:rPr lang="en-US" altLang="zh-CN" b="1" dirty="0" smtClean="0"/>
+              <a:t>.</a:t>
+            </a:r>
+          </a:p>
+          <a:p>
+            <a:r>
+              <a:rPr lang="en-US" altLang="zh-CN" b="1" dirty="0" smtClean="0"/>
+              <a:t>.</a:t>
+            </a:r>
+          </a:p>
+          <a:p>
+            <a:r>
+              <a:rPr lang="en-US" altLang="zh-CN" b="1" dirty="0" smtClean="0"/>
+              <a:t>.</a:t>
+            </a:r>
+            <a:endParaRPr lang="zh-CN" altLang="en-US" b="1" dirty="0"/>
           </a:p>
         </p:txBody>
       </p:sp>
@@ -7627,6 +7981,411 @@
       </p:par>
     </p:tnLst>
   </p:timing>
+</p:sld>
+</file>
+
+<file path=ppt/slides/slide3.xml><?xml version="1.0" encoding="utf-8"?>
+<p:sld xmlns:a="http://schemas.openxmlformats.org/drawingml/2006/main" xmlns:r="http://schemas.openxmlformats.org/officeDocument/2006/relationships" xmlns:p="http://schemas.openxmlformats.org/presentationml/2006/main">
+  <p:cSld>
+    <p:spTree>
+      <p:nvGrpSpPr>
+        <p:cNvPr id="1" name=""/>
+        <p:cNvGrpSpPr/>
+        <p:nvPr/>
+      </p:nvGrpSpPr>
+      <p:grpSpPr>
+        <a:xfrm>
+          <a:off x="0" y="0"/>
+          <a:ext cx="0" cy="0"/>
+          <a:chOff x="0" y="0"/>
+          <a:chExt cx="0" cy="0"/>
+        </a:xfrm>
+      </p:grpSpPr>
+      <p:sp>
+        <p:nvSpPr>
+          <p:cNvPr id="2" name="标题 1"/>
+          <p:cNvSpPr>
+            <a:spLocks noGrp="1"/>
+          </p:cNvSpPr>
+          <p:nvPr>
+            <p:ph type="title"/>
+          </p:nvPr>
+        </p:nvSpPr>
+        <p:spPr/>
+        <p:txBody>
+          <a:bodyPr>
+            <a:normAutofit fontScale="90000"/>
+          </a:bodyPr>
+          <a:lstStyle/>
+          <a:p>
+            <a:r>
+              <a:rPr lang="en-US" dirty="0" smtClean="0"/>
+              <a:t/>
+            </a:r>
+            <a:br>
+              <a:rPr lang="en-US" dirty="0" smtClean="0"/>
+            </a:br>
+            <a:endParaRPr lang="zh-CN" altLang="en-US" dirty="0"/>
+          </a:p>
+        </p:txBody>
+      </p:sp>
+      <p:sp>
+        <p:nvSpPr>
+          <p:cNvPr id="3" name="内容占位符 2"/>
+          <p:cNvSpPr>
+            <a:spLocks noGrp="1"/>
+          </p:cNvSpPr>
+          <p:nvPr>
+            <p:ph idx="1"/>
+          </p:nvPr>
+        </p:nvSpPr>
+        <p:spPr>
+          <a:xfrm>
+            <a:off x="457200" y="285728"/>
+            <a:ext cx="8229600" cy="5840435"/>
+          </a:xfrm>
+        </p:spPr>
+        <p:txBody>
+          <a:bodyPr/>
+          <a:lstStyle/>
+          <a:p>
+            <a:r>
+              <a:rPr lang="en-US" altLang="zh-CN" dirty="0" smtClean="0"/>
+              <a:t>Node.js</a:t>
+            </a:r>
+          </a:p>
+          <a:p>
+            <a:pPr lvl="1"/>
+            <a:r>
+              <a:rPr lang="en-US" altLang="zh-CN" dirty="0" err="1" smtClean="0"/>
+              <a:t>Zlib</a:t>
+            </a:r>
+            <a:r>
+              <a:rPr lang="en-US" altLang="zh-CN" dirty="0" smtClean="0"/>
+              <a:t>(</a:t>
+            </a:r>
+            <a:r>
+              <a:rPr lang="en-US" altLang="zh-CN" dirty="0" err="1" smtClean="0"/>
+              <a:t>gzip,gunzip</a:t>
+            </a:r>
+            <a:r>
+              <a:rPr lang="en-US" altLang="zh-CN" dirty="0" smtClean="0"/>
+              <a:t>)</a:t>
+            </a:r>
+          </a:p>
+          <a:p>
+            <a:pPr lvl="1"/>
+            <a:r>
+              <a:rPr lang="en-US" altLang="zh-CN" dirty="0" smtClean="0"/>
+              <a:t>Socket</a:t>
+            </a:r>
+          </a:p>
+          <a:p>
+            <a:pPr lvl="1"/>
+            <a:endParaRPr lang="en-US" altLang="zh-CN" dirty="0" smtClean="0"/>
+          </a:p>
+          <a:p>
+            <a:pPr lvl="1"/>
+            <a:endParaRPr lang="en-US" altLang="zh-CN" dirty="0" smtClean="0"/>
+          </a:p>
+          <a:p>
+            <a:r>
+              <a:rPr lang="en-US" altLang="zh-CN" dirty="0" err="1" smtClean="0"/>
+              <a:t>Mongodb</a:t>
+            </a:r>
+            <a:r>
+              <a:rPr lang="en-US" altLang="zh-CN" dirty="0" smtClean="0"/>
+              <a:t>(replica sets)</a:t>
+            </a:r>
+          </a:p>
+          <a:p>
+            <a:pPr lvl="1"/>
+            <a:r>
+              <a:rPr lang="en-US" altLang="zh-CN" dirty="0" err="1" smtClean="0"/>
+              <a:t>Oplog.rs</a:t>
+            </a:r>
+            <a:endParaRPr lang="zh-CN" altLang="en-US" dirty="0"/>
+          </a:p>
+        </p:txBody>
+      </p:sp>
+    </p:spTree>
+  </p:cSld>
+  <p:clrMapOvr>
+    <a:masterClrMapping/>
+  </p:clrMapOvr>
+  <p:timing>
+    <p:tnLst>
+      <p:par>
+        <p:cTn id="1" dur="indefinite" restart="never" nodeType="tmRoot"/>
+      </p:par>
+    </p:tnLst>
+  </p:timing>
+</p:sld>
+</file>
+
+<file path=ppt/slides/slide4.xml><?xml version="1.0" encoding="utf-8"?>
+<p:sld xmlns:a="http://schemas.openxmlformats.org/drawingml/2006/main" xmlns:r="http://schemas.openxmlformats.org/officeDocument/2006/relationships" xmlns:p="http://schemas.openxmlformats.org/presentationml/2006/main">
+  <p:cSld>
+    <p:spTree>
+      <p:nvGrpSpPr>
+        <p:cNvPr id="1" name=""/>
+        <p:cNvGrpSpPr/>
+        <p:nvPr/>
+      </p:nvGrpSpPr>
+      <p:grpSpPr>
+        <a:xfrm>
+          <a:off x="0" y="0"/>
+          <a:ext cx="0" cy="0"/>
+          <a:chOff x="0" y="0"/>
+          <a:chExt cx="0" cy="0"/>
+        </a:xfrm>
+      </p:grpSpPr>
+      <p:sp>
+        <p:nvSpPr>
+          <p:cNvPr id="3" name="内容占位符 2"/>
+          <p:cNvSpPr>
+            <a:spLocks noGrp="1"/>
+          </p:cNvSpPr>
+          <p:nvPr>
+            <p:ph idx="1"/>
+          </p:nvPr>
+        </p:nvSpPr>
+        <p:spPr>
+          <a:xfrm>
+            <a:off x="457200" y="500042"/>
+            <a:ext cx="8229600" cy="5626121"/>
+          </a:xfrm>
+        </p:spPr>
+        <p:txBody>
+          <a:bodyPr/>
+          <a:lstStyle/>
+          <a:p>
+            <a:r>
+              <a:rPr lang="en-US" altLang="zh-CN" dirty="0" err="1" smtClean="0"/>
+              <a:t>Npm</a:t>
+            </a:r>
+            <a:r>
+              <a:rPr lang="en-US" altLang="zh-CN" dirty="0" smtClean="0"/>
+              <a:t> install </a:t>
+            </a:r>
+            <a:r>
+              <a:rPr lang="en-US" altLang="zh-CN" dirty="0" smtClean="0"/>
+              <a:t>sync-</a:t>
+            </a:r>
+            <a:r>
+              <a:rPr lang="en-US" altLang="zh-CN" dirty="0" err="1" smtClean="0"/>
+              <a:t>mongodb</a:t>
+            </a:r>
+            <a:r>
+              <a:rPr lang="en-US" altLang="zh-CN" dirty="0" smtClean="0"/>
+              <a:t>-cluster</a:t>
+            </a:r>
+          </a:p>
+          <a:p>
+            <a:r>
+              <a:rPr lang="en-US" altLang="zh-CN" dirty="0" err="1" smtClean="0"/>
+              <a:t>Config</a:t>
+            </a:r>
+            <a:r>
+              <a:rPr lang="en-US" altLang="zh-CN" dirty="0" smtClean="0"/>
+              <a:t> </a:t>
+            </a:r>
+            <a:r>
+              <a:rPr lang="en-US" altLang="zh-CN" dirty="0" err="1" smtClean="0"/>
+              <a:t>server.config.js</a:t>
+            </a:r>
+            <a:endParaRPr lang="en-US" altLang="zh-CN" dirty="0" smtClean="0"/>
+          </a:p>
+          <a:p>
+            <a:r>
+              <a:rPr lang="en-US" altLang="zh-CN" dirty="0" err="1" smtClean="0"/>
+              <a:t>Config</a:t>
+            </a:r>
+            <a:r>
+              <a:rPr lang="en-US" altLang="zh-CN" dirty="0" smtClean="0"/>
+              <a:t> </a:t>
+            </a:r>
+            <a:r>
+              <a:rPr lang="en-US" altLang="zh-CN" dirty="0" err="1" smtClean="0"/>
+              <a:t>client.config.js</a:t>
+            </a:r>
+            <a:endParaRPr lang="en-US" altLang="zh-CN" dirty="0" smtClean="0"/>
+          </a:p>
+          <a:p>
+            <a:r>
+              <a:rPr lang="en-US" altLang="zh-CN" dirty="0" smtClean="0"/>
+              <a:t>Node server</a:t>
+            </a:r>
+          </a:p>
+          <a:p>
+            <a:r>
+              <a:rPr lang="en-US" altLang="zh-CN" dirty="0" smtClean="0"/>
+              <a:t>Node client</a:t>
+            </a:r>
+            <a:endParaRPr lang="zh-CN" altLang="en-US" dirty="0"/>
+          </a:p>
+        </p:txBody>
+      </p:sp>
+    </p:spTree>
+  </p:cSld>
+  <p:clrMapOvr>
+    <a:masterClrMapping/>
+  </p:clrMapOvr>
+</p:sld>
+</file>
+
+<file path=ppt/slides/slide5.xml><?xml version="1.0" encoding="utf-8"?>
+<p:sld xmlns:a="http://schemas.openxmlformats.org/drawingml/2006/main" xmlns:r="http://schemas.openxmlformats.org/officeDocument/2006/relationships" xmlns:p="http://schemas.openxmlformats.org/presentationml/2006/main">
+  <p:cSld>
+    <p:spTree>
+      <p:nvGrpSpPr>
+        <p:cNvPr id="1" name=""/>
+        <p:cNvGrpSpPr/>
+        <p:nvPr/>
+      </p:nvGrpSpPr>
+      <p:grpSpPr>
+        <a:xfrm>
+          <a:off x="0" y="0"/>
+          <a:ext cx="0" cy="0"/>
+          <a:chOff x="0" y="0"/>
+          <a:chExt cx="0" cy="0"/>
+        </a:xfrm>
+      </p:grpSpPr>
+      <p:sp>
+        <p:nvSpPr>
+          <p:cNvPr id="2" name="标题 1"/>
+          <p:cNvSpPr>
+            <a:spLocks noGrp="1"/>
+          </p:cNvSpPr>
+          <p:nvPr>
+            <p:ph type="title"/>
+          </p:nvPr>
+        </p:nvSpPr>
+        <p:spPr/>
+        <p:txBody>
+          <a:bodyPr/>
+          <a:lstStyle/>
+          <a:p>
+            <a:r>
+              <a:rPr lang="en-US" altLang="zh-CN" dirty="0" smtClean="0"/>
+              <a:t>Attention </a:t>
+            </a:r>
+            <a:endParaRPr lang="zh-CN" altLang="en-US" dirty="0"/>
+          </a:p>
+        </p:txBody>
+      </p:sp>
+      <p:sp>
+        <p:nvSpPr>
+          <p:cNvPr id="3" name="内容占位符 2"/>
+          <p:cNvSpPr>
+            <a:spLocks noGrp="1"/>
+          </p:cNvSpPr>
+          <p:nvPr>
+            <p:ph idx="1"/>
+          </p:nvPr>
+        </p:nvSpPr>
+        <p:spPr/>
+        <p:txBody>
+          <a:bodyPr>
+            <a:normAutofit lnSpcReduction="10000"/>
+          </a:bodyPr>
+          <a:lstStyle/>
+          <a:p>
+            <a:r>
+              <a:rPr lang="en-US" altLang="zh-CN" dirty="0" smtClean="0"/>
+              <a:t>1.if your </a:t>
+            </a:r>
+            <a:r>
+              <a:rPr lang="en-US" altLang="zh-CN" dirty="0" err="1" smtClean="0"/>
+              <a:t>oplog</a:t>
+            </a:r>
+            <a:r>
+              <a:rPr lang="en-US" altLang="zh-CN" dirty="0" smtClean="0"/>
+              <a:t> size is enough big ,and your data can all site in it , you can </a:t>
+            </a:r>
+            <a:r>
+              <a:rPr lang="en-US" altLang="zh-CN" dirty="0" err="1" smtClean="0"/>
+              <a:t>config</a:t>
+            </a:r>
+            <a:r>
+              <a:rPr lang="en-US" altLang="zh-CN" dirty="0" smtClean="0"/>
+              <a:t> </a:t>
+            </a:r>
+            <a:br>
+              <a:rPr lang="en-US" altLang="zh-CN" dirty="0" smtClean="0"/>
+            </a:br>
+            <a:r>
+              <a:rPr lang="en-US" altLang="zh-CN" dirty="0" err="1" smtClean="0"/>
+              <a:t>client.config.js</a:t>
+            </a:r>
+            <a:r>
+              <a:rPr lang="en-US" altLang="zh-CN" dirty="0" smtClean="0"/>
+              <a:t> &gt; </a:t>
+            </a:r>
+            <a:r>
+              <a:rPr lang="en-US" altLang="zh-CN" dirty="0" err="1" smtClean="0"/>
+              <a:t>start_from_local_oplog_ts</a:t>
+            </a:r>
+            <a:r>
+              <a:rPr lang="en-US" altLang="zh-CN" dirty="0" smtClean="0"/>
+              <a:t> to false</a:t>
+            </a:r>
+          </a:p>
+          <a:p>
+            <a:r>
+              <a:rPr lang="en-US" altLang="zh-CN" dirty="0" smtClean="0"/>
+              <a:t>2.other wise ,you have to copy db from master cluster ,and then ,</a:t>
+            </a:r>
+            <a:r>
+              <a:rPr lang="en-US" altLang="zh-CN" dirty="0" err="1" smtClean="0"/>
+              <a:t>config</a:t>
+            </a:r>
+            <a:r>
+              <a:rPr lang="en-US" altLang="zh-CN" dirty="0" smtClean="0"/>
+              <a:t/>
+            </a:r>
+            <a:br>
+              <a:rPr lang="en-US" altLang="zh-CN" dirty="0" smtClean="0"/>
+            </a:br>
+            <a:r>
+              <a:rPr lang="en-US" altLang="zh-CN" dirty="0" smtClean="0"/>
+              <a:t> </a:t>
+            </a:r>
+            <a:r>
+              <a:rPr lang="en-US" altLang="zh-CN" dirty="0" err="1" smtClean="0"/>
+              <a:t>client.config.js</a:t>
+            </a:r>
+            <a:r>
+              <a:rPr lang="en-US" altLang="zh-CN" dirty="0" smtClean="0"/>
+              <a:t> &gt; </a:t>
+            </a:r>
+            <a:r>
+              <a:rPr lang="en-US" altLang="zh-CN" dirty="0" err="1" smtClean="0"/>
+              <a:t>start_from_local_oplog_ts</a:t>
+            </a:r>
+            <a:r>
+              <a:rPr lang="en-US" altLang="zh-CN" dirty="0" smtClean="0"/>
+              <a:t> to </a:t>
+            </a:r>
+            <a:r>
+              <a:rPr lang="en-US" altLang="zh-CN" dirty="0" smtClean="0"/>
+              <a:t>true</a:t>
+            </a:r>
+          </a:p>
+          <a:p>
+            <a:r>
+              <a:rPr lang="en-US" altLang="zh-CN" dirty="0" smtClean="0"/>
+              <a:t>3.in the end ,start your client to sync</a:t>
+            </a:r>
+            <a:endParaRPr lang="zh-CN" altLang="en-US" dirty="0"/>
+          </a:p>
+        </p:txBody>
+      </p:sp>
+    </p:spTree>
+  </p:cSld>
+  <p:clrMapOvr>
+    <a:masterClrMapping/>
+  </p:clrMapOvr>
 </p:sld>
 </file>
 
